--- a/Chapter_5/Chapter5.pptx
+++ b/Chapter_5/Chapter5.pptx
@@ -5,12 +5,11 @@
     <p:sldMasterId id="2147483648" r:id="rId1"/>
   </p:sldMasterIdLst>
   <p:sldIdLst>
-    <p:sldId id="256" r:id="rId2"/>
-    <p:sldId id="257" r:id="rId3"/>
-    <p:sldId id="258" r:id="rId4"/>
-    <p:sldId id="259" r:id="rId5"/>
-    <p:sldId id="260" r:id="rId6"/>
-    <p:sldId id="261" r:id="rId7"/>
+    <p:sldId id="257" r:id="rId2"/>
+    <p:sldId id="258" r:id="rId3"/>
+    <p:sldId id="259" r:id="rId4"/>
+    <p:sldId id="260" r:id="rId5"/>
+    <p:sldId id="261" r:id="rId6"/>
   </p:sldIdLst>
   <p:sldSz cx="9144000" cy="6858000" type="screen4x3"/>
   <p:notesSz cx="6858000" cy="9144000"/>
@@ -294,7 +293,7 @@
             <a:fld id="{1D8BD707-D9CF-40AE-B4C6-C98DA3205C09}" type="datetimeFigureOut">
               <a:rPr lang="en-US" smtClean="0"/>
               <a:pPr/>
-              <a:t>6/4/2022</a:t>
+              <a:t>7/23/2022</a:t>
             </a:fld>
             <a:endParaRPr lang="en-US"/>
           </a:p>
@@ -461,7 +460,7 @@
             <a:fld id="{1D8BD707-D9CF-40AE-B4C6-C98DA3205C09}" type="datetimeFigureOut">
               <a:rPr lang="en-US" smtClean="0"/>
               <a:pPr/>
-              <a:t>6/4/2022</a:t>
+              <a:t>7/23/2022</a:t>
             </a:fld>
             <a:endParaRPr lang="en-US"/>
           </a:p>
@@ -638,7 +637,7 @@
             <a:fld id="{1D8BD707-D9CF-40AE-B4C6-C98DA3205C09}" type="datetimeFigureOut">
               <a:rPr lang="en-US" smtClean="0"/>
               <a:pPr/>
-              <a:t>6/4/2022</a:t>
+              <a:t>7/23/2022</a:t>
             </a:fld>
             <a:endParaRPr lang="en-US"/>
           </a:p>
@@ -805,7 +804,7 @@
             <a:fld id="{1D8BD707-D9CF-40AE-B4C6-C98DA3205C09}" type="datetimeFigureOut">
               <a:rPr lang="en-US" smtClean="0"/>
               <a:pPr/>
-              <a:t>6/4/2022</a:t>
+              <a:t>7/23/2022</a:t>
             </a:fld>
             <a:endParaRPr lang="en-US"/>
           </a:p>
@@ -1048,7 +1047,7 @@
             <a:fld id="{1D8BD707-D9CF-40AE-B4C6-C98DA3205C09}" type="datetimeFigureOut">
               <a:rPr lang="en-US" smtClean="0"/>
               <a:pPr/>
-              <a:t>6/4/2022</a:t>
+              <a:t>7/23/2022</a:t>
             </a:fld>
             <a:endParaRPr lang="en-US"/>
           </a:p>
@@ -1333,7 +1332,7 @@
             <a:fld id="{1D8BD707-D9CF-40AE-B4C6-C98DA3205C09}" type="datetimeFigureOut">
               <a:rPr lang="en-US" smtClean="0"/>
               <a:pPr/>
-              <a:t>6/4/2022</a:t>
+              <a:t>7/23/2022</a:t>
             </a:fld>
             <a:endParaRPr lang="en-US"/>
           </a:p>
@@ -1752,7 +1751,7 @@
             <a:fld id="{1D8BD707-D9CF-40AE-B4C6-C98DA3205C09}" type="datetimeFigureOut">
               <a:rPr lang="en-US" smtClean="0"/>
               <a:pPr/>
-              <a:t>6/4/2022</a:t>
+              <a:t>7/23/2022</a:t>
             </a:fld>
             <a:endParaRPr lang="en-US"/>
           </a:p>
@@ -1867,7 +1866,7 @@
             <a:fld id="{1D8BD707-D9CF-40AE-B4C6-C98DA3205C09}" type="datetimeFigureOut">
               <a:rPr lang="en-US" smtClean="0"/>
               <a:pPr/>
-              <a:t>6/4/2022</a:t>
+              <a:t>7/23/2022</a:t>
             </a:fld>
             <a:endParaRPr lang="en-US"/>
           </a:p>
@@ -1959,7 +1958,7 @@
             <a:fld id="{1D8BD707-D9CF-40AE-B4C6-C98DA3205C09}" type="datetimeFigureOut">
               <a:rPr lang="en-US" smtClean="0"/>
               <a:pPr/>
-              <a:t>6/4/2022</a:t>
+              <a:t>7/23/2022</a:t>
             </a:fld>
             <a:endParaRPr lang="en-US"/>
           </a:p>
@@ -2233,7 +2232,7 @@
             <a:fld id="{1D8BD707-D9CF-40AE-B4C6-C98DA3205C09}" type="datetimeFigureOut">
               <a:rPr lang="en-US" smtClean="0"/>
               <a:pPr/>
-              <a:t>6/4/2022</a:t>
+              <a:t>7/23/2022</a:t>
             </a:fld>
             <a:endParaRPr lang="en-US"/>
           </a:p>
@@ -2483,7 +2482,7 @@
             <a:fld id="{1D8BD707-D9CF-40AE-B4C6-C98DA3205C09}" type="datetimeFigureOut">
               <a:rPr lang="en-US" smtClean="0"/>
               <a:pPr/>
-              <a:t>6/4/2022</a:t>
+              <a:t>7/23/2022</a:t>
             </a:fld>
             <a:endParaRPr lang="en-US"/>
           </a:p>
@@ -2693,7 +2692,7 @@
             <a:fld id="{1D8BD707-D9CF-40AE-B4C6-C98DA3205C09}" type="datetimeFigureOut">
               <a:rPr lang="en-US" smtClean="0"/>
               <a:pPr/>
-              <a:t>6/4/2022</a:t>
+              <a:t>7/23/2022</a:t>
             </a:fld>
             <a:endParaRPr lang="en-US"/>
           </a:p>
@@ -3071,34 +3070,93 @@
             <a:spLocks noGrp="1"/>
           </p:cNvSpPr>
           <p:nvPr>
-            <p:ph type="ctrTitle"/>
-          </p:nvPr>
-        </p:nvSpPr>
-        <p:spPr/>
-        <p:txBody>
-          <a:bodyPr/>
-          <a:lstStyle/>
-          <a:p>
-            <a:endParaRPr lang="en-US"/>
-          </a:p>
-        </p:txBody>
-      </p:sp>
-      <p:sp>
-        <p:nvSpPr>
-          <p:cNvPr id="3" name="Subtitle 2"/>
-          <p:cNvSpPr>
-            <a:spLocks noGrp="1"/>
-          </p:cNvSpPr>
-          <p:nvPr>
-            <p:ph type="subTitle" idx="1"/>
-          </p:nvPr>
-        </p:nvSpPr>
-        <p:spPr/>
-        <p:txBody>
-          <a:bodyPr/>
-          <a:lstStyle/>
-          <a:p>
-            <a:endParaRPr lang="en-US"/>
+            <p:ph type="title"/>
+          </p:nvPr>
+        </p:nvSpPr>
+        <p:spPr/>
+        <p:txBody>
+          <a:bodyPr/>
+          <a:lstStyle/>
+          <a:p>
+            <a:r>
+              <a:rPr lang="en-US" dirty="0" smtClean="0"/>
+              <a:t>Java String</a:t>
+            </a:r>
+            <a:endParaRPr lang="en-US" dirty="0"/>
+          </a:p>
+        </p:txBody>
+      </p:sp>
+      <p:sp>
+        <p:nvSpPr>
+          <p:cNvPr id="3" name="Content Placeholder 2"/>
+          <p:cNvSpPr>
+            <a:spLocks noGrp="1"/>
+          </p:cNvSpPr>
+          <p:nvPr>
+            <p:ph idx="1"/>
+          </p:nvPr>
+        </p:nvSpPr>
+        <p:spPr/>
+        <p:txBody>
+          <a:bodyPr/>
+          <a:lstStyle/>
+          <a:p>
+            <a:r>
+              <a:rPr lang="en-US" dirty="0" smtClean="0"/>
+              <a:t>String is basically an object that represents sequence of char values</a:t>
+            </a:r>
+          </a:p>
+          <a:p>
+            <a:r>
+              <a:rPr lang="en-US" dirty="0" smtClean="0"/>
+              <a:t>The </a:t>
+            </a:r>
+            <a:r>
+              <a:rPr lang="en-US" dirty="0" err="1" smtClean="0"/>
+              <a:t>java.lang.String</a:t>
+            </a:r>
+            <a:r>
+              <a:rPr lang="en-US" dirty="0" smtClean="0"/>
+              <a:t> class implements </a:t>
+            </a:r>
+            <a:r>
+              <a:rPr lang="en-US" i="1" dirty="0" err="1" smtClean="0"/>
+              <a:t>Serializable</a:t>
+            </a:r>
+            <a:r>
+              <a:rPr lang="en-US" dirty="0" smtClean="0"/>
+              <a:t>, </a:t>
+            </a:r>
+            <a:r>
+              <a:rPr lang="en-US" i="1" dirty="0" smtClean="0"/>
+              <a:t>Comparable</a:t>
+            </a:r>
+            <a:r>
+              <a:rPr lang="en-US" dirty="0" smtClean="0"/>
+              <a:t> and </a:t>
+            </a:r>
+            <a:r>
+              <a:rPr lang="en-US" i="1" dirty="0" err="1" smtClean="0"/>
+              <a:t>CharSequence</a:t>
+            </a:r>
+            <a:r>
+              <a:rPr lang="en-US" dirty="0" smtClean="0"/>
+              <a:t> </a:t>
+            </a:r>
+            <a:r>
+              <a:rPr lang="en-US" dirty="0" smtClean="0">
+                <a:hlinkClick r:id="rId2"/>
+              </a:rPr>
+              <a:t>interfaces</a:t>
+            </a:r>
+            <a:endParaRPr lang="en-US" dirty="0" smtClean="0"/>
+          </a:p>
+          <a:p>
+            <a:r>
+              <a:rPr lang="en-US" dirty="0" smtClean="0"/>
+              <a:t>The Java String is immutable which means it cannot be changed</a:t>
+            </a:r>
+            <a:endParaRPr lang="en-US" dirty="0"/>
           </a:p>
         </p:txBody>
       </p:sp>
@@ -3142,92 +3200,37 @@
           <a:bodyPr/>
           <a:lstStyle/>
           <a:p>
+            <a:endParaRPr lang="en-US"/>
+          </a:p>
+        </p:txBody>
+      </p:sp>
+      <p:sp>
+        <p:nvSpPr>
+          <p:cNvPr id="3" name="Content Placeholder 2"/>
+          <p:cNvSpPr>
+            <a:spLocks noGrp="1"/>
+          </p:cNvSpPr>
+          <p:nvPr>
+            <p:ph idx="1"/>
+          </p:nvPr>
+        </p:nvSpPr>
+        <p:spPr/>
+        <p:txBody>
+          <a:bodyPr/>
+          <a:lstStyle/>
+          <a:p>
             <a:r>
               <a:rPr lang="en-US" dirty="0" smtClean="0"/>
-              <a:t>Java String</a:t>
-            </a:r>
-            <a:endParaRPr lang="en-US" dirty="0"/>
-          </a:p>
-        </p:txBody>
-      </p:sp>
-      <p:sp>
-        <p:nvSpPr>
-          <p:cNvPr id="3" name="Content Placeholder 2"/>
-          <p:cNvSpPr>
-            <a:spLocks noGrp="1"/>
-          </p:cNvSpPr>
-          <p:nvPr>
-            <p:ph idx="1"/>
-          </p:nvPr>
-        </p:nvSpPr>
-        <p:spPr/>
-        <p:txBody>
-          <a:bodyPr/>
-          <a:lstStyle/>
+              <a:t>By string literal</a:t>
+            </a:r>
+          </a:p>
           <a:p>
             <a:r>
               <a:rPr lang="en-US" dirty="0" smtClean="0"/>
-              <a:t>String </a:t>
-            </a:r>
-            <a:r>
-              <a:rPr lang="en-US" dirty="0" smtClean="0"/>
-              <a:t>is basically an object that represents sequence of char </a:t>
-            </a:r>
-            <a:r>
-              <a:rPr lang="en-US" dirty="0" smtClean="0"/>
-              <a:t>values</a:t>
-            </a:r>
-          </a:p>
-          <a:p>
-            <a:r>
-              <a:rPr lang="en-US" dirty="0" smtClean="0"/>
-              <a:t>The </a:t>
-            </a:r>
-            <a:r>
-              <a:rPr lang="en-US" dirty="0" err="1" smtClean="0"/>
-              <a:t>java.lang.String</a:t>
-            </a:r>
-            <a:r>
-              <a:rPr lang="en-US" dirty="0" smtClean="0"/>
-              <a:t> class implements </a:t>
-            </a:r>
-            <a:r>
-              <a:rPr lang="en-US" i="1" dirty="0" err="1" smtClean="0"/>
-              <a:t>Serializable</a:t>
-            </a:r>
-            <a:r>
-              <a:rPr lang="en-US" dirty="0" smtClean="0"/>
-              <a:t>, </a:t>
-            </a:r>
-            <a:r>
-              <a:rPr lang="en-US" i="1" dirty="0" smtClean="0"/>
-              <a:t>Comparable</a:t>
-            </a:r>
-            <a:r>
-              <a:rPr lang="en-US" dirty="0" smtClean="0"/>
-              <a:t> and </a:t>
-            </a:r>
-            <a:r>
-              <a:rPr lang="en-US" i="1" dirty="0" err="1" smtClean="0"/>
-              <a:t>CharSequence</a:t>
-            </a:r>
-            <a:r>
-              <a:rPr lang="en-US" dirty="0" smtClean="0"/>
-              <a:t> </a:t>
-            </a:r>
-            <a:r>
-              <a:rPr lang="en-US" dirty="0" smtClean="0">
-                <a:hlinkClick r:id="rId2"/>
-              </a:rPr>
-              <a:t>interfaces</a:t>
-            </a:r>
-            <a:endParaRPr lang="en-US" dirty="0" smtClean="0"/>
-          </a:p>
-          <a:p>
-            <a:r>
-              <a:rPr lang="en-US" dirty="0" smtClean="0"/>
-              <a:t>The Java String is immutable which means it cannot be changed</a:t>
-            </a:r>
+              <a:t>By new keyword</a:t>
+            </a:r>
+          </a:p>
+          <a:p>
             <a:endParaRPr lang="en-US" dirty="0"/>
           </a:p>
         </p:txBody>
@@ -3293,16 +3296,20 @@
           <a:p>
             <a:r>
               <a:rPr lang="en-US" dirty="0" smtClean="0"/>
-              <a:t>By string literal</a:t>
+              <a:t>Each time you create a string literal, the JVM checks the "string constant pool" first. </a:t>
             </a:r>
           </a:p>
           <a:p>
             <a:r>
               <a:rPr lang="en-US" dirty="0" smtClean="0"/>
-              <a:t>By new keyword</a:t>
-            </a:r>
-          </a:p>
-          <a:p>
+              <a:t>If the string already exists in the pool, a reference to the pooled instance is returned.</a:t>
+            </a:r>
+          </a:p>
+          <a:p>
+            <a:r>
+              <a:rPr lang="en-US" dirty="0" smtClean="0"/>
+              <a:t> If the string doesn't exist in the pool, a new string instance is created and placed in the pool</a:t>
+            </a:r>
             <a:endParaRPr lang="en-US" dirty="0"/>
           </a:p>
         </p:txBody>
@@ -3368,33 +3375,19 @@
           <a:p>
             <a:r>
               <a:rPr lang="en-US" dirty="0" smtClean="0"/>
-              <a:t>Each time you create a string literal, the JVM checks the "string constant pool" first. </a:t>
-            </a:r>
+              <a:t>String s1=“Besant";  </a:t>
+            </a:r>
+          </a:p>
+          <a:p>
+            <a:r>
+              <a:rPr lang="en-US" dirty="0" smtClean="0"/>
+              <a:t>String s1=“Besant";  //Not created new instance</a:t>
+            </a:r>
+          </a:p>
+          <a:p>
             <a:endParaRPr lang="en-US" dirty="0" smtClean="0"/>
           </a:p>
           <a:p>
-            <a:r>
-              <a:rPr lang="en-US" dirty="0" smtClean="0"/>
-              <a:t>If </a:t>
-            </a:r>
-            <a:r>
-              <a:rPr lang="en-US" dirty="0" smtClean="0"/>
-              <a:t>the string already exists in the pool, a reference to the pooled instance is returned</a:t>
-            </a:r>
-            <a:r>
-              <a:rPr lang="en-US" dirty="0" smtClean="0"/>
-              <a:t>.</a:t>
-            </a:r>
-          </a:p>
-          <a:p>
-            <a:r>
-              <a:rPr lang="en-US" dirty="0" smtClean="0"/>
-              <a:t> </a:t>
-            </a:r>
-            <a:r>
-              <a:rPr lang="en-US" dirty="0" smtClean="0"/>
-              <a:t>If the string doesn't exist in the pool, a new string instance is created and placed in the pool</a:t>
-            </a:r>
             <a:endParaRPr lang="en-US" dirty="0"/>
           </a:p>
         </p:txBody>
@@ -3408,106 +3401,6 @@
 </file>
 
 <file path=ppt/slides/slide5.xml><?xml version="1.0" encoding="utf-8"?>
-<p:sld xmlns:a="http://schemas.openxmlformats.org/drawingml/2006/main" xmlns:r="http://schemas.openxmlformats.org/officeDocument/2006/relationships" xmlns:p="http://schemas.openxmlformats.org/presentationml/2006/main">
-  <p:cSld>
-    <p:spTree>
-      <p:nvGrpSpPr>
-        <p:cNvPr id="1" name=""/>
-        <p:cNvGrpSpPr/>
-        <p:nvPr/>
-      </p:nvGrpSpPr>
-      <p:grpSpPr>
-        <a:xfrm>
-          <a:off x="0" y="0"/>
-          <a:ext cx="0" cy="0"/>
-          <a:chOff x="0" y="0"/>
-          <a:chExt cx="0" cy="0"/>
-        </a:xfrm>
-      </p:grpSpPr>
-      <p:sp>
-        <p:nvSpPr>
-          <p:cNvPr id="2" name="Title 1"/>
-          <p:cNvSpPr>
-            <a:spLocks noGrp="1"/>
-          </p:cNvSpPr>
-          <p:nvPr>
-            <p:ph type="title"/>
-          </p:nvPr>
-        </p:nvSpPr>
-        <p:spPr/>
-        <p:txBody>
-          <a:bodyPr/>
-          <a:lstStyle/>
-          <a:p>
-            <a:endParaRPr lang="en-US"/>
-          </a:p>
-        </p:txBody>
-      </p:sp>
-      <p:sp>
-        <p:nvSpPr>
-          <p:cNvPr id="3" name="Content Placeholder 2"/>
-          <p:cNvSpPr>
-            <a:spLocks noGrp="1"/>
-          </p:cNvSpPr>
-          <p:nvPr>
-            <p:ph idx="1"/>
-          </p:nvPr>
-        </p:nvSpPr>
-        <p:spPr/>
-        <p:txBody>
-          <a:bodyPr/>
-          <a:lstStyle/>
-          <a:p>
-            <a:r>
-              <a:rPr lang="en-US" dirty="0" smtClean="0"/>
-              <a:t>String s1</a:t>
-            </a:r>
-            <a:r>
-              <a:rPr lang="en-US" dirty="0" smtClean="0"/>
-              <a:t>=“Besant";</a:t>
-            </a:r>
-            <a:r>
-              <a:rPr lang="en-US" dirty="0" smtClean="0"/>
-              <a:t>  </a:t>
-            </a:r>
-            <a:endParaRPr lang="en-US" dirty="0" smtClean="0"/>
-          </a:p>
-          <a:p>
-            <a:r>
-              <a:rPr lang="en-US" dirty="0" smtClean="0"/>
-              <a:t>String s1</a:t>
-            </a:r>
-            <a:r>
-              <a:rPr lang="en-US" dirty="0" smtClean="0"/>
-              <a:t>=“Besant";</a:t>
-            </a:r>
-            <a:r>
-              <a:rPr lang="en-US" dirty="0" smtClean="0"/>
-              <a:t>  </a:t>
-            </a:r>
-            <a:r>
-              <a:rPr lang="en-US" dirty="0" smtClean="0"/>
-              <a:t>//Not created new instance</a:t>
-            </a:r>
-            <a:endParaRPr lang="en-US" dirty="0" smtClean="0"/>
-          </a:p>
-          <a:p>
-            <a:endParaRPr lang="en-US" dirty="0" smtClean="0"/>
-          </a:p>
-          <a:p>
-            <a:endParaRPr lang="en-US" dirty="0"/>
-          </a:p>
-        </p:txBody>
-      </p:sp>
-    </p:spTree>
-  </p:cSld>
-  <p:clrMapOvr>
-    <a:masterClrMapping/>
-  </p:clrMapOvr>
-</p:sld>
-</file>
-
-<file path=ppt/slides/slide6.xml><?xml version="1.0" encoding="utf-8"?>
 <p:sld xmlns:a="http://schemas.openxmlformats.org/drawingml/2006/main" xmlns:r="http://schemas.openxmlformats.org/officeDocument/2006/relationships" xmlns:p="http://schemas.openxmlformats.org/presentationml/2006/main">
   <p:cSld>
     <p:spTree>
